--- a/1. 기능정리/Project6 기능정리 - 현태.pptx
+++ b/1. 기능정리/Project6 기능정리 - 현태.pptx
@@ -7,8 +7,9 @@
   <p:sldIdLst>
     <p:sldId id="256" r:id="rId2"/>
     <p:sldId id="257" r:id="rId3"/>
-    <p:sldId id="258" r:id="rId4"/>
-    <p:sldId id="259" r:id="rId5"/>
+    <p:sldId id="260" r:id="rId4"/>
+    <p:sldId id="258" r:id="rId5"/>
+    <p:sldId id="259" r:id="rId6"/>
   </p:sldIdLst>
   <p:sldSz cx="9144000" cy="6858000" type="screen4x3"/>
   <p:notesSz cx="6858000" cy="9144000"/>
@@ -107,6 +108,22 @@
       </a:defRPr>
     </a:lvl9pPr>
   </p:defaultTextStyle>
+  <p:extLst>
+    <p:ext uri="{EFAFB233-063F-42B5-8137-9DF3F51BA10A}">
+      <p15:sldGuideLst xmlns:p15="http://schemas.microsoft.com/office/powerpoint/2012/main">
+        <p15:guide id="1" orient="horz" pos="2160">
+          <p15:clr>
+            <a:srgbClr val="A4A3A4"/>
+          </p15:clr>
+        </p15:guide>
+        <p15:guide id="2" pos="2880">
+          <p15:clr>
+            <a:srgbClr val="A4A3A4"/>
+          </p15:clr>
+        </p15:guide>
+      </p15:sldGuideLst>
+    </p:ext>
+  </p:extLst>
 </p:presentation>
 </file>
 
@@ -3171,6 +3188,1006 @@
           </a:p>
         </p:txBody>
       </p:sp>
+      <p:sp>
+        <p:nvSpPr>
+          <p:cNvPr id="6" name="내용 개체 틀 2"/>
+          <p:cNvSpPr>
+            <a:spLocks noGrp="1"/>
+          </p:cNvSpPr>
+          <p:nvPr>
+            <p:ph idx="1"/>
+          </p:nvPr>
+        </p:nvSpPr>
+        <p:spPr>
+          <a:xfrm>
+            <a:off x="179512" y="760995"/>
+            <a:ext cx="8784976" cy="5980373"/>
+          </a:xfrm>
+        </p:spPr>
+        <p:txBody>
+          <a:bodyPr>
+            <a:normAutofit fontScale="92500" lnSpcReduction="20000"/>
+          </a:bodyPr>
+          <a:lstStyle/>
+          <a:p>
+            <a:pPr>
+              <a:buFontTx/>
+              <a:buChar char="-"/>
+            </a:pPr>
+            <a:r>
+              <a:rPr lang="ko-KR" altLang="en-US" sz="1900" dirty="0" smtClean="0"/>
+              <a:t>메인 화면</a:t>
+            </a:r>
+            <a:endParaRPr lang="en-US" altLang="ko-KR" sz="1900" dirty="0" smtClean="0"/>
+          </a:p>
+          <a:p>
+            <a:pPr lvl="1">
+              <a:buFontTx/>
+              <a:buChar char="-"/>
+            </a:pPr>
+            <a:r>
+              <a:rPr lang="ko-KR" altLang="en-US" sz="1500" dirty="0" smtClean="0"/>
+              <a:t>프로젝트 검색</a:t>
+            </a:r>
+            <a:r>
+              <a:rPr lang="en-US" altLang="ko-KR" sz="1500" dirty="0" smtClean="0"/>
+              <a:t>, </a:t>
+            </a:r>
+            <a:r>
+              <a:rPr lang="ko-KR" altLang="en-US" sz="1500" dirty="0" err="1" smtClean="0"/>
+              <a:t>카테고리별</a:t>
+            </a:r>
+            <a:r>
+              <a:rPr lang="ko-KR" altLang="en-US" sz="1500" dirty="0" smtClean="0"/>
+              <a:t> 프로젝트 리스트 불러 오는 네비게이션 메뉴</a:t>
+            </a:r>
+            <a:r>
+              <a:rPr lang="en-US" altLang="ko-KR" sz="1500" dirty="0" smtClean="0"/>
+              <a:t>, </a:t>
+            </a:r>
+            <a:r>
+              <a:rPr lang="ko-KR" altLang="en-US" sz="1500" dirty="0" smtClean="0"/>
+              <a:t>슬라이드 배너 광고</a:t>
+            </a:r>
+            <a:r>
+              <a:rPr lang="en-US" altLang="ko-KR" sz="1500" dirty="0" smtClean="0"/>
+              <a:t>, </a:t>
+            </a:r>
+            <a:r>
+              <a:rPr lang="ko-KR" altLang="en-US" sz="1500" dirty="0" smtClean="0"/>
+              <a:t>추천 프로젝트 표시</a:t>
+            </a:r>
+            <a:r>
+              <a:rPr lang="en-US" altLang="ko-KR" sz="1500" dirty="0" smtClean="0"/>
+              <a:t>, </a:t>
+            </a:r>
+            <a:r>
+              <a:rPr lang="ko-KR" altLang="en-US" sz="1500" dirty="0" smtClean="0"/>
+              <a:t>로그인</a:t>
+            </a:r>
+            <a:r>
+              <a:rPr lang="en-US" altLang="ko-KR" sz="1500" dirty="0" smtClean="0"/>
+              <a:t>, </a:t>
+            </a:r>
+            <a:r>
+              <a:rPr lang="ko-KR" altLang="en-US" sz="1500" dirty="0" smtClean="0"/>
+              <a:t>로그아웃</a:t>
+            </a:r>
+            <a:endParaRPr lang="en-US" altLang="ko-KR" sz="1500" dirty="0" smtClean="0"/>
+          </a:p>
+          <a:p>
+            <a:pPr>
+              <a:buFontTx/>
+              <a:buChar char="-"/>
+            </a:pPr>
+            <a:r>
+              <a:rPr lang="ko-KR" altLang="en-US" sz="1900" dirty="0" smtClean="0"/>
+              <a:t>로그인 </a:t>
+            </a:r>
+            <a:r>
+              <a:rPr lang="ko-KR" altLang="en-US" sz="1900" dirty="0" smtClean="0"/>
+              <a:t>및 회원가입 </a:t>
+            </a:r>
+            <a:r>
+              <a:rPr lang="en-US" altLang="ko-KR" sz="1900" dirty="0" smtClean="0"/>
+              <a:t>(</a:t>
+            </a:r>
+            <a:r>
+              <a:rPr lang="ko-KR" altLang="en-US" sz="1900" dirty="0" smtClean="0"/>
+              <a:t>소셜 로그인 및 회원가입 </a:t>
+            </a:r>
+            <a:r>
+              <a:rPr lang="ko-KR" altLang="en-US" sz="1900" dirty="0" smtClean="0"/>
+              <a:t>가능</a:t>
+            </a:r>
+            <a:r>
+              <a:rPr lang="en-US" altLang="ko-KR" sz="1900" dirty="0" smtClean="0"/>
+              <a:t>)</a:t>
+            </a:r>
+          </a:p>
+          <a:p>
+            <a:pPr lvl="1">
+              <a:buFontTx/>
+              <a:buChar char="-"/>
+            </a:pPr>
+            <a:r>
+              <a:rPr lang="ko-KR" altLang="en-US" sz="1500" dirty="0" smtClean="0"/>
+              <a:t>아이디</a:t>
+            </a:r>
+            <a:r>
+              <a:rPr lang="en-US" altLang="ko-KR" sz="1500" dirty="0" smtClean="0"/>
+              <a:t>, </a:t>
+            </a:r>
+            <a:r>
+              <a:rPr lang="ko-KR" altLang="en-US" sz="1500" dirty="0" smtClean="0"/>
+              <a:t>비밀번호</a:t>
+            </a:r>
+            <a:r>
+              <a:rPr lang="en-US" altLang="ko-KR" sz="1500" dirty="0" smtClean="0"/>
+              <a:t>, </a:t>
+            </a:r>
+            <a:r>
+              <a:rPr lang="ko-KR" altLang="en-US" sz="1500" dirty="0" smtClean="0"/>
+              <a:t>이름</a:t>
+            </a:r>
+            <a:r>
+              <a:rPr lang="en-US" altLang="ko-KR" sz="1500" dirty="0" smtClean="0"/>
+              <a:t>, </a:t>
+            </a:r>
+            <a:r>
+              <a:rPr lang="ko-KR" altLang="en-US" sz="1500" dirty="0" smtClean="0"/>
+              <a:t>전화번호</a:t>
+            </a:r>
+            <a:r>
+              <a:rPr lang="en-US" altLang="ko-KR" sz="1500" dirty="0" smtClean="0"/>
+              <a:t>, </a:t>
+            </a:r>
+            <a:r>
+              <a:rPr lang="ko-KR" altLang="en-US" sz="1500" dirty="0" smtClean="0"/>
+              <a:t>주소</a:t>
+            </a:r>
+            <a:r>
+              <a:rPr lang="en-US" altLang="ko-KR" sz="1500" dirty="0" smtClean="0"/>
+              <a:t>, </a:t>
+            </a:r>
+            <a:r>
+              <a:rPr lang="ko-KR" altLang="en-US" sz="1500" dirty="0" smtClean="0"/>
+              <a:t>이메일</a:t>
+            </a:r>
+            <a:endParaRPr lang="en-US" altLang="ko-KR" sz="1500" dirty="0" smtClean="0"/>
+          </a:p>
+          <a:p>
+            <a:pPr>
+              <a:buFontTx/>
+              <a:buChar char="-"/>
+            </a:pPr>
+            <a:r>
+              <a:rPr lang="ko-KR" altLang="en-US" sz="1900" dirty="0" err="1" smtClean="0"/>
+              <a:t>마이페이지</a:t>
+            </a:r>
+            <a:endParaRPr lang="en-US" altLang="ko-KR" sz="1900" dirty="0" smtClean="0"/>
+          </a:p>
+          <a:p>
+            <a:pPr lvl="1">
+              <a:buFontTx/>
+              <a:buChar char="-"/>
+            </a:pPr>
+            <a:r>
+              <a:rPr lang="ko-KR" altLang="en-US" sz="1500" dirty="0" err="1" smtClean="0"/>
+              <a:t>펀딩</a:t>
+            </a:r>
+            <a:r>
+              <a:rPr lang="ko-KR" altLang="en-US" sz="1500" dirty="0" smtClean="0"/>
+              <a:t> </a:t>
+            </a:r>
+            <a:r>
+              <a:rPr lang="ko-KR" altLang="en-US" sz="1500" dirty="0" smtClean="0"/>
+              <a:t>한 프로젝트</a:t>
+            </a:r>
+            <a:r>
+              <a:rPr lang="en-US" altLang="ko-KR" sz="1500" dirty="0" smtClean="0"/>
+              <a:t>, </a:t>
+            </a:r>
+            <a:r>
+              <a:rPr lang="ko-KR" altLang="en-US" sz="1500" dirty="0" smtClean="0"/>
+              <a:t>제작 프로젝트</a:t>
+            </a:r>
+            <a:r>
+              <a:rPr lang="en-US" altLang="ko-KR" sz="1500" dirty="0" smtClean="0"/>
+              <a:t>, </a:t>
+            </a:r>
+            <a:r>
+              <a:rPr lang="ko-KR" altLang="en-US" sz="1500" dirty="0" smtClean="0"/>
+              <a:t>관심 프로젝트</a:t>
+            </a:r>
+            <a:r>
+              <a:rPr lang="en-US" altLang="ko-KR" sz="1500" dirty="0" smtClean="0"/>
+              <a:t>, </a:t>
+            </a:r>
+            <a:r>
+              <a:rPr lang="ko-KR" altLang="en-US" sz="1500" dirty="0" smtClean="0"/>
+              <a:t>회원정보 설정</a:t>
+            </a:r>
+            <a:r>
+              <a:rPr lang="en-US" altLang="ko-KR" sz="1500" dirty="0" smtClean="0"/>
+              <a:t>, </a:t>
+            </a:r>
+            <a:r>
+              <a:rPr lang="ko-KR" altLang="en-US" sz="1500" dirty="0" smtClean="0"/>
+              <a:t>관심 카테고리 설정</a:t>
+            </a:r>
+            <a:r>
+              <a:rPr lang="en-US" altLang="ko-KR" sz="1500" dirty="0" smtClean="0"/>
+              <a:t>, </a:t>
+            </a:r>
+            <a:r>
+              <a:rPr lang="ko-KR" altLang="en-US" sz="1500" dirty="0" smtClean="0"/>
+              <a:t>알림</a:t>
+            </a:r>
+            <a:r>
+              <a:rPr lang="en-US" altLang="ko-KR" sz="1500" dirty="0" smtClean="0"/>
+              <a:t>, </a:t>
+            </a:r>
+            <a:r>
+              <a:rPr lang="ko-KR" altLang="en-US" sz="1500" dirty="0" smtClean="0"/>
+              <a:t>구매한 </a:t>
+            </a:r>
+            <a:r>
+              <a:rPr lang="ko-KR" altLang="en-US" sz="1500" dirty="0" err="1" smtClean="0"/>
+              <a:t>리워드</a:t>
+            </a:r>
+            <a:r>
+              <a:rPr lang="ko-KR" altLang="en-US" sz="1500" dirty="0" smtClean="0"/>
+              <a:t> 상품 확인</a:t>
+            </a:r>
+            <a:r>
+              <a:rPr lang="en-US" altLang="ko-KR" sz="1500" dirty="0" smtClean="0"/>
+              <a:t>(</a:t>
+            </a:r>
+            <a:r>
+              <a:rPr lang="ko-KR" altLang="en-US" sz="1500" dirty="0" smtClean="0"/>
+              <a:t>상품명</a:t>
+            </a:r>
+            <a:r>
+              <a:rPr lang="en-US" altLang="ko-KR" sz="1500" dirty="0" smtClean="0"/>
+              <a:t>, </a:t>
+            </a:r>
+            <a:r>
+              <a:rPr lang="ko-KR" altLang="en-US" sz="1500" dirty="0" smtClean="0"/>
+              <a:t>구매 개수</a:t>
+            </a:r>
+            <a:r>
+              <a:rPr lang="en-US" altLang="ko-KR" sz="1500" dirty="0" smtClean="0"/>
+              <a:t>, </a:t>
+            </a:r>
+            <a:r>
+              <a:rPr lang="ko-KR" altLang="en-US" sz="1500" dirty="0" smtClean="0"/>
+              <a:t>구매 날짜</a:t>
+            </a:r>
+            <a:r>
+              <a:rPr lang="en-US" altLang="ko-KR" sz="1500" dirty="0" smtClean="0"/>
+              <a:t>, </a:t>
+            </a:r>
+            <a:r>
+              <a:rPr lang="ko-KR" altLang="en-US" sz="1500" dirty="0" err="1" smtClean="0"/>
+              <a:t>배송상태</a:t>
+            </a:r>
+            <a:r>
+              <a:rPr lang="en-US" altLang="ko-KR" sz="1500" dirty="0" smtClean="0"/>
+              <a:t>), </a:t>
+            </a:r>
+            <a:r>
+              <a:rPr lang="ko-KR" altLang="en-US" sz="1500" dirty="0" smtClean="0"/>
+              <a:t>로그아웃</a:t>
+            </a:r>
+            <a:endParaRPr lang="en-US" altLang="ko-KR" sz="1500" dirty="0" smtClean="0"/>
+          </a:p>
+          <a:p>
+            <a:pPr>
+              <a:buFontTx/>
+              <a:buChar char="-"/>
+            </a:pPr>
+            <a:r>
+              <a:rPr lang="ko-KR" altLang="en-US" sz="1900" dirty="0" smtClean="0"/>
+              <a:t>프로젝트 </a:t>
+            </a:r>
+            <a:r>
+              <a:rPr lang="ko-KR" altLang="en-US" sz="1900" dirty="0" smtClean="0"/>
+              <a:t>제작</a:t>
+            </a:r>
+            <a:r>
+              <a:rPr lang="en-US" altLang="ko-KR" sz="1900" dirty="0" smtClean="0"/>
+              <a:t>(</a:t>
+            </a:r>
+            <a:r>
+              <a:rPr lang="ko-KR" altLang="en-US" sz="1900" dirty="0" smtClean="0"/>
+              <a:t>투자 </a:t>
+            </a:r>
+            <a:r>
+              <a:rPr lang="en-US" altLang="ko-KR" sz="1900" dirty="0" smtClean="0"/>
+              <a:t>– </a:t>
+            </a:r>
+            <a:r>
+              <a:rPr lang="ko-KR" altLang="en-US" sz="1900" dirty="0" err="1" smtClean="0"/>
+              <a:t>펀딩</a:t>
+            </a:r>
+            <a:r>
+              <a:rPr lang="ko-KR" altLang="en-US" sz="1900" dirty="0" smtClean="0"/>
+              <a:t> 대가를 돈으로 받음</a:t>
+            </a:r>
+            <a:r>
+              <a:rPr lang="en-US" altLang="ko-KR" sz="1900" dirty="0" smtClean="0"/>
+              <a:t>)</a:t>
+            </a:r>
+            <a:endParaRPr lang="en-US" altLang="ko-KR" sz="1900" dirty="0"/>
+          </a:p>
+          <a:p>
+            <a:pPr lvl="1">
+              <a:buFontTx/>
+              <a:buChar char="-"/>
+            </a:pPr>
+            <a:r>
+              <a:rPr lang="ko-KR" altLang="en-US" sz="1500" dirty="0" smtClean="0"/>
+              <a:t>프로젝트 </a:t>
+            </a:r>
+            <a:r>
+              <a:rPr lang="ko-KR" altLang="en-US" sz="1500" dirty="0" smtClean="0"/>
+              <a:t>이름</a:t>
+            </a:r>
+            <a:r>
+              <a:rPr lang="en-US" altLang="ko-KR" sz="1500" dirty="0" smtClean="0"/>
+              <a:t>, </a:t>
+            </a:r>
+            <a:r>
+              <a:rPr lang="ko-KR" altLang="en-US" sz="1500" dirty="0" smtClean="0"/>
+              <a:t>카테고리</a:t>
+            </a:r>
+            <a:r>
+              <a:rPr lang="en-US" altLang="ko-KR" sz="1500" dirty="0" smtClean="0"/>
+              <a:t>, </a:t>
+            </a:r>
+            <a:r>
+              <a:rPr lang="ko-KR" altLang="en-US" sz="1500" dirty="0" err="1" smtClean="0"/>
+              <a:t>펀딩</a:t>
+            </a:r>
+            <a:r>
+              <a:rPr lang="ko-KR" altLang="en-US" sz="1500" dirty="0" smtClean="0"/>
+              <a:t> 받을 목표 금액</a:t>
+            </a:r>
+            <a:r>
+              <a:rPr lang="en-US" altLang="ko-KR" sz="1500" dirty="0" smtClean="0"/>
+              <a:t>, </a:t>
+            </a:r>
+            <a:r>
+              <a:rPr lang="ko-KR" altLang="en-US" sz="1500" dirty="0" smtClean="0"/>
+              <a:t>프로젝트 진행 기간</a:t>
+            </a:r>
+            <a:r>
+              <a:rPr lang="en-US" altLang="ko-KR" sz="1500" dirty="0" smtClean="0"/>
+              <a:t>, </a:t>
+            </a:r>
+            <a:r>
+              <a:rPr lang="ko-KR" altLang="en-US" sz="1500" dirty="0" smtClean="0"/>
+              <a:t>프로젝트 고유 주소</a:t>
+            </a:r>
+            <a:r>
+              <a:rPr lang="en-US" altLang="ko-KR" sz="1500" dirty="0" smtClean="0"/>
+              <a:t>, </a:t>
+            </a:r>
+            <a:r>
+              <a:rPr lang="ko-KR" altLang="en-US" sz="1500" dirty="0" smtClean="0"/>
+              <a:t>프로젝트 대표 이미지</a:t>
+            </a:r>
+            <a:r>
+              <a:rPr lang="en-US" altLang="ko-KR" sz="1500" dirty="0" smtClean="0"/>
+              <a:t>, </a:t>
+            </a:r>
+            <a:r>
+              <a:rPr lang="ko-KR" altLang="en-US" sz="1500" dirty="0" smtClean="0"/>
+              <a:t>프로젝트 키워드</a:t>
+            </a:r>
+            <a:r>
+              <a:rPr lang="en-US" altLang="ko-KR" sz="1500" dirty="0" smtClean="0"/>
+              <a:t>, </a:t>
+            </a:r>
+            <a:r>
+              <a:rPr lang="ko-KR" altLang="en-US" sz="1500" dirty="0"/>
+              <a:t>프로젝트 </a:t>
+            </a:r>
+            <a:r>
+              <a:rPr lang="ko-KR" altLang="en-US" sz="1500" dirty="0" smtClean="0"/>
+              <a:t>세부 동영상</a:t>
+            </a:r>
+            <a:r>
+              <a:rPr lang="en-US" altLang="ko-KR" sz="1500" dirty="0" smtClean="0"/>
+              <a:t>, </a:t>
+            </a:r>
+            <a:r>
+              <a:rPr lang="ko-KR" altLang="en-US" sz="1500" dirty="0" smtClean="0"/>
+              <a:t>프로젝트 세부 이미지</a:t>
+            </a:r>
+            <a:r>
+              <a:rPr lang="en-US" altLang="ko-KR" sz="1500" dirty="0" smtClean="0"/>
+              <a:t>, </a:t>
+            </a:r>
+            <a:r>
+              <a:rPr lang="ko-KR" altLang="en-US" sz="1500" dirty="0" smtClean="0"/>
+              <a:t>프로젝트 세부 내용</a:t>
+            </a:r>
+            <a:r>
+              <a:rPr lang="en-US" altLang="ko-KR" sz="1500" dirty="0" smtClean="0"/>
+              <a:t>, </a:t>
+            </a:r>
+            <a:r>
+              <a:rPr lang="ko-KR" altLang="en-US" sz="1500" b="1" dirty="0" err="1" smtClean="0"/>
+              <a:t>펀딩</a:t>
+            </a:r>
+            <a:r>
+              <a:rPr lang="ko-KR" altLang="en-US" sz="1500" b="1" dirty="0" smtClean="0"/>
+              <a:t> 금액 단위 및 </a:t>
+            </a:r>
+            <a:r>
+              <a:rPr lang="ko-KR" altLang="en-US" sz="1500" b="1" dirty="0" err="1" smtClean="0"/>
+              <a:t>펀딩</a:t>
+            </a:r>
+            <a:r>
+              <a:rPr lang="ko-KR" altLang="en-US" sz="1500" b="1" dirty="0" smtClean="0"/>
+              <a:t> 금액 별 보상 내용</a:t>
+            </a:r>
+            <a:r>
+              <a:rPr lang="en-US" altLang="ko-KR" sz="1500" dirty="0" smtClean="0"/>
+              <a:t>, </a:t>
+            </a:r>
+            <a:r>
+              <a:rPr lang="ko-KR" altLang="en-US" sz="1500" dirty="0" smtClean="0"/>
+              <a:t>보상 전달 시기</a:t>
+            </a:r>
+            <a:r>
+              <a:rPr lang="en-US" altLang="ko-KR" sz="1500" dirty="0" smtClean="0"/>
+              <a:t>, </a:t>
+            </a:r>
+            <a:r>
+              <a:rPr lang="ko-KR" altLang="en-US" sz="1500" dirty="0" smtClean="0"/>
+              <a:t>환불 </a:t>
+            </a:r>
+            <a:r>
+              <a:rPr lang="ko-KR" altLang="en-US" sz="1500" dirty="0" smtClean="0"/>
+              <a:t>정책</a:t>
+            </a:r>
+            <a:r>
+              <a:rPr lang="en-US" altLang="ko-KR" sz="1500" dirty="0" smtClean="0"/>
+              <a:t>, </a:t>
+            </a:r>
+            <a:r>
+              <a:rPr lang="ko-KR" altLang="en-US" sz="1500" dirty="0" smtClean="0"/>
+              <a:t>문의 가능 전화번호</a:t>
+            </a:r>
+            <a:r>
+              <a:rPr lang="en-US" altLang="ko-KR" sz="1500" dirty="0" smtClean="0"/>
+              <a:t> </a:t>
+            </a:r>
+            <a:endParaRPr lang="en-US" altLang="ko-KR" sz="1500" dirty="0" smtClean="0"/>
+          </a:p>
+          <a:p>
+            <a:pPr>
+              <a:buFontTx/>
+              <a:buChar char="-"/>
+            </a:pPr>
+            <a:r>
+              <a:rPr lang="ko-KR" altLang="en-US" sz="1900" dirty="0"/>
+              <a:t>프로젝트 제작</a:t>
+            </a:r>
+            <a:r>
+              <a:rPr lang="en-US" altLang="ko-KR" sz="1900" dirty="0"/>
+              <a:t>(</a:t>
+            </a:r>
+            <a:r>
+              <a:rPr lang="ko-KR" altLang="en-US" sz="1900" dirty="0" err="1" smtClean="0"/>
+              <a:t>리워드</a:t>
+            </a:r>
+            <a:r>
+              <a:rPr lang="ko-KR" altLang="en-US" sz="1900" dirty="0" smtClean="0"/>
+              <a:t> </a:t>
+            </a:r>
+            <a:r>
+              <a:rPr lang="en-US" altLang="ko-KR" sz="1900" dirty="0" smtClean="0"/>
+              <a:t>– </a:t>
+            </a:r>
+            <a:r>
+              <a:rPr lang="ko-KR" altLang="en-US" sz="1900" dirty="0" err="1" smtClean="0"/>
+              <a:t>펀딩</a:t>
+            </a:r>
+            <a:r>
+              <a:rPr lang="ko-KR" altLang="en-US" sz="1900" dirty="0" smtClean="0"/>
+              <a:t> 대가를 상품으로 받음</a:t>
+            </a:r>
+            <a:r>
+              <a:rPr lang="en-US" altLang="ko-KR" sz="1900" dirty="0" smtClean="0"/>
+              <a:t>)</a:t>
+            </a:r>
+            <a:endParaRPr lang="en-US" altLang="ko-KR" sz="1900" dirty="0"/>
+          </a:p>
+          <a:p>
+            <a:pPr lvl="1">
+              <a:buFontTx/>
+              <a:buChar char="-"/>
+            </a:pPr>
+            <a:r>
+              <a:rPr lang="ko-KR" altLang="en-US" sz="1500" dirty="0" smtClean="0"/>
+              <a:t>프로젝트 이름</a:t>
+            </a:r>
+            <a:r>
+              <a:rPr lang="en-US" altLang="ko-KR" sz="1500" dirty="0" smtClean="0"/>
+              <a:t>, </a:t>
+            </a:r>
+            <a:r>
+              <a:rPr lang="ko-KR" altLang="en-US" sz="1500" dirty="0" smtClean="0"/>
+              <a:t>카테고리</a:t>
+            </a:r>
+            <a:r>
+              <a:rPr lang="en-US" altLang="ko-KR" sz="1500" dirty="0" smtClean="0"/>
+              <a:t>, </a:t>
+            </a:r>
+            <a:r>
+              <a:rPr lang="ko-KR" altLang="en-US" sz="1500" dirty="0" err="1" smtClean="0"/>
+              <a:t>펀딩</a:t>
+            </a:r>
+            <a:r>
+              <a:rPr lang="ko-KR" altLang="en-US" sz="1500" dirty="0" smtClean="0"/>
+              <a:t> 받을 목표 금액</a:t>
+            </a:r>
+            <a:r>
+              <a:rPr lang="en-US" altLang="ko-KR" sz="1500" dirty="0" smtClean="0"/>
+              <a:t>, </a:t>
+            </a:r>
+            <a:r>
+              <a:rPr lang="ko-KR" altLang="en-US" sz="1500" dirty="0" smtClean="0"/>
+              <a:t>프로젝트 진행 기간</a:t>
+            </a:r>
+            <a:r>
+              <a:rPr lang="en-US" altLang="ko-KR" sz="1500" dirty="0" smtClean="0"/>
+              <a:t>, </a:t>
+            </a:r>
+            <a:r>
+              <a:rPr lang="ko-KR" altLang="en-US" sz="1500" dirty="0" smtClean="0"/>
+              <a:t>프로젝트 고유 주소</a:t>
+            </a:r>
+            <a:r>
+              <a:rPr lang="en-US" altLang="ko-KR" sz="1500" dirty="0" smtClean="0"/>
+              <a:t>, </a:t>
+            </a:r>
+            <a:r>
+              <a:rPr lang="ko-KR" altLang="en-US" sz="1500" dirty="0" smtClean="0"/>
+              <a:t>프로젝트 대표 이미지</a:t>
+            </a:r>
+            <a:r>
+              <a:rPr lang="en-US" altLang="ko-KR" sz="1500" dirty="0" smtClean="0"/>
+              <a:t>, </a:t>
+            </a:r>
+            <a:r>
+              <a:rPr lang="ko-KR" altLang="en-US" sz="1500" dirty="0" smtClean="0"/>
+              <a:t>프로젝트 키워드</a:t>
+            </a:r>
+            <a:r>
+              <a:rPr lang="en-US" altLang="ko-KR" sz="1500" dirty="0" smtClean="0"/>
+              <a:t>, </a:t>
+            </a:r>
+            <a:r>
+              <a:rPr lang="ko-KR" altLang="en-US" sz="1500" dirty="0" smtClean="0"/>
+              <a:t>프로젝트 세부 동영상</a:t>
+            </a:r>
+            <a:r>
+              <a:rPr lang="en-US" altLang="ko-KR" sz="1500" dirty="0" smtClean="0"/>
+              <a:t>, </a:t>
+            </a:r>
+            <a:r>
+              <a:rPr lang="ko-KR" altLang="en-US" sz="1500" dirty="0" smtClean="0"/>
+              <a:t>프로젝트 세부 이미지</a:t>
+            </a:r>
+            <a:r>
+              <a:rPr lang="en-US" altLang="ko-KR" sz="1500" dirty="0" smtClean="0"/>
+              <a:t>, </a:t>
+            </a:r>
+            <a:r>
+              <a:rPr lang="ko-KR" altLang="en-US" sz="1500" dirty="0" smtClean="0"/>
+              <a:t>프로젝트 세부 내용</a:t>
+            </a:r>
+            <a:r>
+              <a:rPr lang="en-US" altLang="ko-KR" sz="1500" dirty="0" smtClean="0"/>
+              <a:t>, </a:t>
+            </a:r>
+            <a:r>
+              <a:rPr lang="ko-KR" altLang="en-US" sz="1500" b="1" dirty="0" err="1" smtClean="0"/>
+              <a:t>펀딩</a:t>
+            </a:r>
+            <a:r>
+              <a:rPr lang="ko-KR" altLang="en-US" sz="1500" b="1" dirty="0" smtClean="0"/>
+              <a:t> 금액 단위 및 상품 내용</a:t>
+            </a:r>
+            <a:r>
+              <a:rPr lang="en-US" altLang="ko-KR" sz="1500" b="1" dirty="0" smtClean="0"/>
+              <a:t>,</a:t>
+            </a:r>
+            <a:r>
+              <a:rPr lang="en-US" altLang="ko-KR" sz="1500" dirty="0" smtClean="0"/>
+              <a:t> </a:t>
+            </a:r>
+            <a:r>
+              <a:rPr lang="ko-KR" altLang="en-US" sz="1500" dirty="0" smtClean="0"/>
+              <a:t>환불 정책</a:t>
+            </a:r>
+            <a:r>
+              <a:rPr lang="en-US" altLang="ko-KR" sz="1500" dirty="0" smtClean="0"/>
+              <a:t>, </a:t>
+            </a:r>
+            <a:r>
+              <a:rPr lang="ko-KR" altLang="en-US" sz="1500" dirty="0" smtClean="0"/>
+              <a:t>보상 전달 시기</a:t>
+            </a:r>
+            <a:r>
+              <a:rPr lang="en-US" altLang="ko-KR" sz="1500" dirty="0" smtClean="0"/>
+              <a:t>, </a:t>
+            </a:r>
+            <a:r>
+              <a:rPr lang="ko-KR" altLang="en-US" sz="1500" dirty="0" smtClean="0"/>
+              <a:t>문의 가능 전화번호</a:t>
+            </a:r>
+            <a:r>
+              <a:rPr lang="en-US" altLang="ko-KR" sz="1500" dirty="0" smtClean="0"/>
+              <a:t> </a:t>
+            </a:r>
+          </a:p>
+          <a:p>
+            <a:pPr>
+              <a:buFontTx/>
+              <a:buChar char="-"/>
+            </a:pPr>
+            <a:r>
+              <a:rPr lang="ko-KR" altLang="en-US" sz="1900" dirty="0" smtClean="0"/>
+              <a:t>프로젝트 리스트 확인</a:t>
+            </a:r>
+            <a:endParaRPr lang="en-US" altLang="ko-KR" sz="1900" dirty="0" smtClean="0"/>
+          </a:p>
+          <a:p>
+            <a:pPr lvl="1">
+              <a:buFontTx/>
+              <a:buChar char="-"/>
+            </a:pPr>
+            <a:r>
+              <a:rPr lang="ko-KR" altLang="en-US" sz="1500" dirty="0" err="1" smtClean="0"/>
+              <a:t>카테고리별</a:t>
+            </a:r>
+            <a:r>
+              <a:rPr lang="ko-KR" altLang="en-US" sz="1500" dirty="0" smtClean="0"/>
+              <a:t> 프로젝트 확인</a:t>
+            </a:r>
+            <a:r>
+              <a:rPr lang="en-US" altLang="ko-KR" sz="1500" dirty="0" smtClean="0"/>
+              <a:t>, </a:t>
+            </a:r>
+            <a:r>
+              <a:rPr lang="ko-KR" altLang="en-US" sz="1500" dirty="0" smtClean="0"/>
+              <a:t>투자</a:t>
+            </a:r>
+            <a:r>
+              <a:rPr lang="en-US" altLang="ko-KR" sz="1500" dirty="0" smtClean="0"/>
+              <a:t>/</a:t>
+            </a:r>
+            <a:r>
+              <a:rPr lang="ko-KR" altLang="en-US" sz="1500" dirty="0" err="1" smtClean="0"/>
+              <a:t>리워드</a:t>
+            </a:r>
+            <a:r>
+              <a:rPr lang="ko-KR" altLang="en-US" sz="1500" dirty="0" smtClean="0"/>
+              <a:t> 프로젝트</a:t>
+            </a:r>
+            <a:r>
+              <a:rPr lang="en-US" altLang="ko-KR" sz="1500" dirty="0" smtClean="0"/>
+              <a:t>, </a:t>
+            </a:r>
+            <a:r>
+              <a:rPr lang="ko-KR" altLang="en-US" sz="1500" dirty="0" err="1" smtClean="0"/>
+              <a:t>진행예정</a:t>
+            </a:r>
+            <a:r>
+              <a:rPr lang="en-US" altLang="ko-KR" sz="1500" dirty="0" smtClean="0"/>
+              <a:t>/</a:t>
+            </a:r>
+            <a:r>
+              <a:rPr lang="ko-KR" altLang="en-US" sz="1500" dirty="0" smtClean="0"/>
+              <a:t>진행중</a:t>
+            </a:r>
+            <a:r>
+              <a:rPr lang="en-US" altLang="ko-KR" sz="1500" dirty="0" smtClean="0"/>
+              <a:t>/</a:t>
+            </a:r>
+            <a:r>
+              <a:rPr lang="ko-KR" altLang="en-US" sz="1500" dirty="0" err="1" smtClean="0"/>
+              <a:t>진행완료</a:t>
+            </a:r>
+            <a:r>
+              <a:rPr lang="ko-KR" altLang="en-US" sz="1500" dirty="0" smtClean="0"/>
+              <a:t> 프로젝트 확인</a:t>
+            </a:r>
+            <a:endParaRPr lang="en-US" altLang="ko-KR" sz="1500" dirty="0" smtClean="0"/>
+          </a:p>
+          <a:p>
+            <a:pPr>
+              <a:buFontTx/>
+              <a:buChar char="-"/>
+            </a:pPr>
+            <a:r>
+              <a:rPr lang="ko-KR" altLang="en-US" sz="1900" dirty="0" smtClean="0"/>
+              <a:t>프로젝트 상세 내용 확인</a:t>
+            </a:r>
+            <a:endParaRPr lang="en-US" altLang="ko-KR" sz="1900" dirty="0" smtClean="0"/>
+          </a:p>
+          <a:p>
+            <a:pPr lvl="1">
+              <a:buFontTx/>
+              <a:buChar char="-"/>
+            </a:pPr>
+            <a:r>
+              <a:rPr lang="ko-KR" altLang="en-US" sz="1500" dirty="0"/>
+              <a:t>프로젝트 이름</a:t>
+            </a:r>
+            <a:r>
+              <a:rPr lang="en-US" altLang="ko-KR" sz="1500" dirty="0"/>
+              <a:t>, </a:t>
+            </a:r>
+            <a:r>
+              <a:rPr lang="ko-KR" altLang="en-US" sz="1500" dirty="0"/>
+              <a:t>카테고리</a:t>
+            </a:r>
+            <a:r>
+              <a:rPr lang="en-US" altLang="ko-KR" sz="1500" dirty="0"/>
+              <a:t>, </a:t>
+            </a:r>
+            <a:r>
+              <a:rPr lang="ko-KR" altLang="en-US" sz="1500" dirty="0" err="1"/>
+              <a:t>펀딩</a:t>
+            </a:r>
+            <a:r>
+              <a:rPr lang="ko-KR" altLang="en-US" sz="1500" dirty="0"/>
+              <a:t> 받을 목표 금액</a:t>
+            </a:r>
+            <a:r>
+              <a:rPr lang="en-US" altLang="ko-KR" sz="1500" dirty="0"/>
+              <a:t>, </a:t>
+            </a:r>
+            <a:r>
+              <a:rPr lang="ko-KR" altLang="en-US" sz="1500" dirty="0"/>
+              <a:t>프로젝트 진행 기간</a:t>
+            </a:r>
+            <a:r>
+              <a:rPr lang="en-US" altLang="ko-KR" sz="1500" dirty="0"/>
+              <a:t>, </a:t>
+            </a:r>
+            <a:r>
+              <a:rPr lang="ko-KR" altLang="en-US" sz="1500" dirty="0"/>
+              <a:t>프로젝트 고유 주소</a:t>
+            </a:r>
+            <a:r>
+              <a:rPr lang="en-US" altLang="ko-KR" sz="1500" dirty="0"/>
+              <a:t>, </a:t>
+            </a:r>
+            <a:r>
+              <a:rPr lang="ko-KR" altLang="en-US" sz="1500" dirty="0"/>
+              <a:t>프로젝트 대표 이미지</a:t>
+            </a:r>
+            <a:r>
+              <a:rPr lang="en-US" altLang="ko-KR" sz="1500" dirty="0"/>
+              <a:t>, </a:t>
+            </a:r>
+            <a:r>
+              <a:rPr lang="ko-KR" altLang="en-US" sz="1500" dirty="0"/>
+              <a:t>프로젝트 키워드</a:t>
+            </a:r>
+            <a:r>
+              <a:rPr lang="en-US" altLang="ko-KR" sz="1500" dirty="0"/>
+              <a:t>, </a:t>
+            </a:r>
+            <a:r>
+              <a:rPr lang="ko-KR" altLang="en-US" sz="1500" dirty="0"/>
+              <a:t>프로젝트 세부 동영상</a:t>
+            </a:r>
+            <a:r>
+              <a:rPr lang="en-US" altLang="ko-KR" sz="1500" dirty="0"/>
+              <a:t>, </a:t>
+            </a:r>
+            <a:r>
+              <a:rPr lang="ko-KR" altLang="en-US" sz="1500" dirty="0"/>
+              <a:t>프로젝트 세부 이미지</a:t>
+            </a:r>
+            <a:r>
+              <a:rPr lang="en-US" altLang="ko-KR" sz="1500" dirty="0"/>
+              <a:t>, </a:t>
+            </a:r>
+            <a:r>
+              <a:rPr lang="ko-KR" altLang="en-US" sz="1500" dirty="0"/>
+              <a:t>프로젝트 세부 내용</a:t>
+            </a:r>
+            <a:r>
+              <a:rPr lang="en-US" altLang="ko-KR" sz="1500" dirty="0"/>
+              <a:t>, </a:t>
+            </a:r>
+            <a:r>
+              <a:rPr lang="ko-KR" altLang="en-US" sz="1500" b="1" dirty="0" err="1"/>
+              <a:t>펀딩</a:t>
+            </a:r>
+            <a:r>
+              <a:rPr lang="ko-KR" altLang="en-US" sz="1500" b="1" dirty="0"/>
+              <a:t> 금액 단위 및 </a:t>
+            </a:r>
+            <a:r>
+              <a:rPr lang="ko-KR" altLang="en-US" sz="1500" b="1" dirty="0" err="1"/>
+              <a:t>펀딩</a:t>
+            </a:r>
+            <a:r>
+              <a:rPr lang="ko-KR" altLang="en-US" sz="1500" b="1" dirty="0"/>
+              <a:t> 금액 별 보상 </a:t>
+            </a:r>
+            <a:r>
+              <a:rPr lang="ko-KR" altLang="en-US" sz="1500" b="1" dirty="0" smtClean="0"/>
+              <a:t>내용 </a:t>
+            </a:r>
+            <a:r>
+              <a:rPr lang="en-US" altLang="ko-KR" sz="1500" b="1" dirty="0" smtClean="0"/>
+              <a:t>or </a:t>
+            </a:r>
+            <a:r>
+              <a:rPr lang="ko-KR" altLang="en-US" sz="1500" b="1" dirty="0" err="1" smtClean="0"/>
+              <a:t>펀딩</a:t>
+            </a:r>
+            <a:r>
+              <a:rPr lang="ko-KR" altLang="en-US" sz="1500" b="1" dirty="0" smtClean="0"/>
+              <a:t> </a:t>
+            </a:r>
+            <a:r>
+              <a:rPr lang="ko-KR" altLang="en-US" sz="1500" b="1" dirty="0"/>
+              <a:t>금액 단위 및 상품 내용</a:t>
+            </a:r>
+            <a:r>
+              <a:rPr lang="en-US" altLang="ko-KR" sz="1500" b="1" dirty="0"/>
+              <a:t>,</a:t>
+            </a:r>
+            <a:r>
+              <a:rPr lang="en-US" altLang="ko-KR" sz="1500" dirty="0"/>
+              <a:t> </a:t>
+            </a:r>
+            <a:r>
+              <a:rPr lang="ko-KR" altLang="en-US" sz="1500" dirty="0"/>
+              <a:t>환불 정책</a:t>
+            </a:r>
+            <a:r>
+              <a:rPr lang="en-US" altLang="ko-KR" sz="1500" dirty="0"/>
+              <a:t>, </a:t>
+            </a:r>
+            <a:r>
+              <a:rPr lang="ko-KR" altLang="en-US" sz="1500" dirty="0"/>
+              <a:t>보상 전달 시기</a:t>
+            </a:r>
+            <a:r>
+              <a:rPr lang="en-US" altLang="ko-KR" sz="1500" dirty="0"/>
+              <a:t>, </a:t>
+            </a:r>
+            <a:r>
+              <a:rPr lang="ko-KR" altLang="en-US" sz="1500" dirty="0"/>
+              <a:t>문의 가능 </a:t>
+            </a:r>
+            <a:r>
+              <a:rPr lang="ko-KR" altLang="en-US" sz="1500" dirty="0" smtClean="0"/>
+              <a:t>전화번호</a:t>
+            </a:r>
+            <a:r>
+              <a:rPr lang="en-US" altLang="ko-KR" sz="1500" dirty="0" smtClean="0"/>
+              <a:t>, </a:t>
+            </a:r>
+            <a:r>
+              <a:rPr lang="ko-KR" altLang="en-US" sz="1500" dirty="0" smtClean="0"/>
+              <a:t>프로젝트 관련 문의 사항 등록 및 확인</a:t>
+            </a:r>
+            <a:r>
+              <a:rPr lang="en-US" altLang="ko-KR" sz="1500" dirty="0"/>
+              <a:t> </a:t>
+            </a:r>
+            <a:r>
+              <a:rPr lang="en-US" altLang="ko-KR" sz="1500" dirty="0" smtClean="0"/>
+              <a:t>(</a:t>
+            </a:r>
+            <a:r>
+              <a:rPr lang="ko-KR" altLang="en-US" sz="1500" dirty="0" smtClean="0"/>
+              <a:t>상세 페이지에서 댓글 형식으로</a:t>
+            </a:r>
+            <a:r>
+              <a:rPr lang="en-US" altLang="ko-KR" sz="1500" dirty="0" smtClean="0"/>
+              <a:t>)</a:t>
+            </a:r>
+            <a:endParaRPr lang="en-US" altLang="ko-KR" sz="1500" dirty="0" smtClean="0"/>
+          </a:p>
+          <a:p>
+            <a:pPr>
+              <a:buFontTx/>
+              <a:buChar char="-"/>
+            </a:pPr>
+            <a:r>
+              <a:rPr lang="ko-KR" altLang="en-US" sz="1900" dirty="0" smtClean="0"/>
+              <a:t>프로젝트 </a:t>
+            </a:r>
+            <a:r>
+              <a:rPr lang="ko-KR" altLang="en-US" sz="1900" dirty="0" err="1" smtClean="0"/>
+              <a:t>펀딩하기</a:t>
+            </a:r>
+            <a:endParaRPr lang="en-US" altLang="ko-KR" sz="1900" dirty="0" smtClean="0"/>
+          </a:p>
+          <a:p>
+            <a:pPr lvl="1">
+              <a:buFontTx/>
+              <a:buChar char="-"/>
+            </a:pPr>
+            <a:r>
+              <a:rPr lang="ko-KR" altLang="en-US" sz="1500" dirty="0" smtClean="0"/>
+              <a:t>투자 </a:t>
+            </a:r>
+            <a:r>
+              <a:rPr lang="en-US" altLang="ko-KR" sz="1500" dirty="0" smtClean="0"/>
+              <a:t>– </a:t>
+            </a:r>
+            <a:r>
+              <a:rPr lang="ko-KR" altLang="en-US" sz="1500" dirty="0" smtClean="0"/>
+              <a:t>투자 금액 선택 및 결제</a:t>
+            </a:r>
+            <a:endParaRPr lang="en-US" altLang="ko-KR" sz="1500" dirty="0" smtClean="0"/>
+          </a:p>
+          <a:p>
+            <a:pPr lvl="1">
+              <a:buFontTx/>
+              <a:buChar char="-"/>
+            </a:pPr>
+            <a:r>
+              <a:rPr lang="ko-KR" altLang="en-US" sz="1500" dirty="0" err="1" smtClean="0"/>
+              <a:t>리워드</a:t>
+            </a:r>
+            <a:r>
+              <a:rPr lang="ko-KR" altLang="en-US" sz="1500" dirty="0" smtClean="0"/>
+              <a:t> </a:t>
+            </a:r>
+            <a:r>
+              <a:rPr lang="en-US" altLang="ko-KR" sz="1500" dirty="0" smtClean="0"/>
+              <a:t>– </a:t>
+            </a:r>
+            <a:r>
+              <a:rPr lang="ko-KR" altLang="en-US" sz="1500" dirty="0" smtClean="0"/>
+              <a:t>투자 금액</a:t>
+            </a:r>
+            <a:r>
+              <a:rPr lang="en-US" altLang="ko-KR" sz="1500" dirty="0"/>
+              <a:t> </a:t>
+            </a:r>
+            <a:r>
+              <a:rPr lang="ko-KR" altLang="en-US" sz="1500" dirty="0" smtClean="0"/>
+              <a:t>선택</a:t>
+            </a:r>
+            <a:r>
+              <a:rPr lang="en-US" altLang="ko-KR" sz="1500" dirty="0" smtClean="0"/>
+              <a:t>, </a:t>
+            </a:r>
+            <a:r>
+              <a:rPr lang="ko-KR" altLang="en-US" sz="1500" dirty="0" smtClean="0"/>
+              <a:t>상품 선택</a:t>
+            </a:r>
+            <a:r>
+              <a:rPr lang="en-US" altLang="ko-KR" sz="1500" dirty="0" smtClean="0"/>
+              <a:t>, </a:t>
+            </a:r>
+            <a:r>
+              <a:rPr lang="ko-KR" altLang="en-US" sz="1500" dirty="0" smtClean="0"/>
+              <a:t>배송정보 입력</a:t>
+            </a:r>
+            <a:endParaRPr lang="en-US" altLang="ko-KR" sz="1500" dirty="0" smtClean="0"/>
+          </a:p>
+        </p:txBody>
+      </p:sp>
     </p:spTree>
   </p:cSld>
   <p:clrMapOvr>
@@ -3220,9 +4237,750 @@
           <a:p>
             <a:r>
               <a:rPr lang="ko-KR" altLang="en-US" dirty="0" smtClean="0"/>
+              <a:t>사용자</a:t>
+            </a:r>
+            <a:endParaRPr lang="en-US" altLang="ko-KR" dirty="0" smtClean="0"/>
+          </a:p>
+        </p:txBody>
+      </p:sp>
+      <p:sp>
+        <p:nvSpPr>
+          <p:cNvPr id="5" name="TextBox 4"/>
+          <p:cNvSpPr txBox="1"/>
+          <p:nvPr/>
+        </p:nvSpPr>
+        <p:spPr>
+          <a:xfrm>
+            <a:off x="428596" y="1285860"/>
+            <a:ext cx="184731" cy="923330"/>
+          </a:xfrm>
+          <a:prstGeom prst="rect">
+            <a:avLst/>
+          </a:prstGeom>
+          <a:noFill/>
+        </p:spPr>
+        <p:txBody>
+          <a:bodyPr wrap="none" rtlCol="0">
+            <a:spAutoFit/>
+          </a:bodyPr>
+          <a:lstStyle/>
+          <a:p>
+            <a:endParaRPr lang="en-US" altLang="ko-KR" dirty="0"/>
+          </a:p>
+          <a:p>
+            <a:endParaRPr lang="en-US" altLang="ko-KR" dirty="0" smtClean="0"/>
+          </a:p>
+          <a:p>
+            <a:endParaRPr lang="ko-KR" altLang="en-US" dirty="0"/>
+          </a:p>
+        </p:txBody>
+      </p:sp>
+      <p:sp>
+        <p:nvSpPr>
+          <p:cNvPr id="6" name="내용 개체 틀 2"/>
+          <p:cNvSpPr>
+            <a:spLocks noGrp="1"/>
+          </p:cNvSpPr>
+          <p:nvPr>
+            <p:ph idx="1"/>
+          </p:nvPr>
+        </p:nvSpPr>
+        <p:spPr>
+          <a:xfrm>
+            <a:off x="179512" y="760995"/>
+            <a:ext cx="8784976" cy="5980373"/>
+          </a:xfrm>
+        </p:spPr>
+        <p:txBody>
+          <a:bodyPr>
+            <a:normAutofit/>
+          </a:bodyPr>
+          <a:lstStyle/>
+          <a:p>
+            <a:pPr>
+              <a:buFontTx/>
+              <a:buChar char="-"/>
+            </a:pPr>
+            <a:r>
+              <a:rPr lang="ko-KR" altLang="en-US" sz="1900" dirty="0" err="1" smtClean="0"/>
+              <a:t>리워드</a:t>
+            </a:r>
+            <a:r>
+              <a:rPr lang="ko-KR" altLang="en-US" sz="1900" dirty="0" smtClean="0"/>
+              <a:t> 마켓 상품 리스트</a:t>
+            </a:r>
+            <a:endParaRPr lang="en-US" altLang="ko-KR" sz="1900" dirty="0" smtClean="0"/>
+          </a:p>
+          <a:p>
+            <a:pPr lvl="1">
+              <a:buFontTx/>
+              <a:buChar char="-"/>
+            </a:pPr>
+            <a:r>
+              <a:rPr lang="ko-KR" altLang="en-US" sz="1500" dirty="0" smtClean="0"/>
+              <a:t>상품 리스트 </a:t>
+            </a:r>
+            <a:r>
+              <a:rPr lang="en-US" altLang="ko-KR" sz="1500" dirty="0" smtClean="0"/>
+              <a:t>(</a:t>
+            </a:r>
+            <a:r>
+              <a:rPr lang="ko-KR" altLang="en-US" sz="1500" dirty="0" err="1" smtClean="0"/>
+              <a:t>카테고리별</a:t>
+            </a:r>
+            <a:r>
+              <a:rPr lang="ko-KR" altLang="en-US" sz="1500" dirty="0" smtClean="0"/>
+              <a:t> 상품 확인</a:t>
+            </a:r>
+            <a:r>
+              <a:rPr lang="en-US" altLang="ko-KR" sz="1500" dirty="0" smtClean="0"/>
+              <a:t>)</a:t>
+            </a:r>
+          </a:p>
+          <a:p>
+            <a:pPr>
+              <a:buFontTx/>
+              <a:buChar char="-"/>
+            </a:pPr>
+            <a:r>
+              <a:rPr lang="ko-KR" altLang="en-US" sz="1900" dirty="0" err="1" smtClean="0"/>
+              <a:t>리워드</a:t>
+            </a:r>
+            <a:r>
+              <a:rPr lang="ko-KR" altLang="en-US" sz="1900" dirty="0" smtClean="0"/>
+              <a:t> 마켓 상품 상세 정보 및 구매</a:t>
+            </a:r>
+            <a:endParaRPr lang="en-US" altLang="ko-KR" sz="1900" dirty="0" smtClean="0"/>
+          </a:p>
+          <a:p>
+            <a:pPr lvl="1">
+              <a:buFontTx/>
+              <a:buChar char="-"/>
+            </a:pPr>
+            <a:r>
+              <a:rPr lang="ko-KR" altLang="en-US" sz="1500" dirty="0" smtClean="0"/>
+              <a:t>상품 관련 정보 </a:t>
+            </a:r>
+            <a:r>
+              <a:rPr lang="en-US" altLang="ko-KR" sz="1500" dirty="0" smtClean="0"/>
+              <a:t>(</a:t>
+            </a:r>
+            <a:r>
+              <a:rPr lang="ko-KR" altLang="en-US" sz="1500" dirty="0" smtClean="0"/>
+              <a:t>상품 이름</a:t>
+            </a:r>
+            <a:r>
+              <a:rPr lang="en-US" altLang="ko-KR" sz="1500" dirty="0" smtClean="0"/>
+              <a:t>, </a:t>
+            </a:r>
+            <a:r>
+              <a:rPr lang="ko-KR" altLang="en-US" sz="1500" dirty="0" smtClean="0"/>
+              <a:t>이미지</a:t>
+            </a:r>
+            <a:r>
+              <a:rPr lang="en-US" altLang="ko-KR" sz="1500" dirty="0" smtClean="0"/>
+              <a:t>, </a:t>
+            </a:r>
+            <a:r>
+              <a:rPr lang="ko-KR" altLang="en-US" sz="1500" dirty="0" smtClean="0"/>
+              <a:t>프로젝트 내용</a:t>
+            </a:r>
+            <a:r>
+              <a:rPr lang="en-US" altLang="ko-KR" sz="1500" dirty="0" smtClean="0"/>
+              <a:t>, </a:t>
+            </a:r>
+            <a:r>
+              <a:rPr lang="ko-KR" altLang="en-US" sz="1500" dirty="0" smtClean="0"/>
+              <a:t>상품 상세 내용</a:t>
+            </a:r>
+            <a:r>
+              <a:rPr lang="en-US" altLang="ko-KR" sz="1500" dirty="0" smtClean="0"/>
+              <a:t>) </a:t>
+            </a:r>
+            <a:r>
+              <a:rPr lang="ko-KR" altLang="en-US" sz="1500" dirty="0" smtClean="0"/>
+              <a:t>표시</a:t>
+            </a:r>
+            <a:r>
+              <a:rPr lang="en-US" altLang="ko-KR" sz="1500" dirty="0"/>
+              <a:t> </a:t>
+            </a:r>
+            <a:r>
+              <a:rPr lang="ko-KR" altLang="en-US" sz="1500" dirty="0" smtClean="0"/>
+              <a:t>상세 페이지</a:t>
+            </a:r>
+            <a:endParaRPr lang="en-US" altLang="ko-KR" sz="1500" dirty="0" smtClean="0"/>
+          </a:p>
+          <a:p>
+            <a:pPr lvl="1">
+              <a:buFontTx/>
+              <a:buChar char="-"/>
+            </a:pPr>
+            <a:r>
+              <a:rPr lang="ko-KR" altLang="en-US" sz="1500" dirty="0" smtClean="0"/>
+              <a:t>상품 개수 설정 및 구매 확정</a:t>
+            </a:r>
+            <a:r>
+              <a:rPr lang="en-US" altLang="ko-KR" sz="1500" dirty="0" smtClean="0"/>
+              <a:t>, </a:t>
+            </a:r>
+            <a:r>
+              <a:rPr lang="ko-KR" altLang="en-US" sz="1500" dirty="0" smtClean="0"/>
+              <a:t>결제 완료 페이지</a:t>
+            </a:r>
+            <a:endParaRPr lang="en-US" altLang="ko-KR" sz="1500" dirty="0" smtClean="0"/>
+          </a:p>
+          <a:p>
+            <a:pPr lvl="1">
+              <a:buFontTx/>
+              <a:buChar char="-"/>
+            </a:pPr>
+            <a:r>
+              <a:rPr lang="ko-KR" altLang="en-US" sz="1500" dirty="0" smtClean="0"/>
+              <a:t>상품 관련 사용자의 문의사항</a:t>
+            </a:r>
+            <a:r>
+              <a:rPr lang="en-US" altLang="ko-KR" sz="1500" dirty="0"/>
+              <a:t> </a:t>
+            </a:r>
+            <a:r>
+              <a:rPr lang="ko-KR" altLang="en-US" sz="1500" dirty="0" smtClean="0"/>
+              <a:t>및 후기</a:t>
+            </a:r>
+            <a:r>
+              <a:rPr lang="en-US" altLang="ko-KR" sz="1500" dirty="0" smtClean="0"/>
+              <a:t>(</a:t>
+            </a:r>
+            <a:r>
+              <a:rPr lang="ko-KR" altLang="en-US" sz="1500" dirty="0" smtClean="0"/>
+              <a:t>상세 페이지에서 댓글 형식으로 표시</a:t>
+            </a:r>
+            <a:r>
+              <a:rPr lang="en-US" altLang="ko-KR" sz="1500" dirty="0" smtClean="0"/>
+              <a:t>)</a:t>
+            </a:r>
+            <a:endParaRPr lang="en-US" altLang="ko-KR" sz="1500" dirty="0" smtClean="0"/>
+          </a:p>
+          <a:p>
+            <a:pPr>
+              <a:buFontTx/>
+              <a:buChar char="-"/>
+            </a:pPr>
+            <a:r>
+              <a:rPr lang="ko-KR" altLang="en-US" sz="1900" dirty="0" smtClean="0"/>
+              <a:t>불량 프로젝트 신고</a:t>
+            </a:r>
+            <a:endParaRPr lang="en-US" altLang="ko-KR" sz="1900" dirty="0" smtClean="0"/>
+          </a:p>
+          <a:p>
+            <a:pPr lvl="1">
+              <a:buFontTx/>
+              <a:buChar char="-"/>
+            </a:pPr>
+            <a:r>
+              <a:rPr lang="ko-KR" altLang="en-US" sz="1500" dirty="0" smtClean="0"/>
+              <a:t>카테고리 선택</a:t>
+            </a:r>
+            <a:r>
+              <a:rPr lang="en-US" altLang="ko-KR" sz="1500" dirty="0" smtClean="0"/>
+              <a:t>(</a:t>
+            </a:r>
+            <a:r>
+              <a:rPr lang="ko-KR" altLang="en-US" sz="1500" dirty="0" smtClean="0"/>
+              <a:t>허위 프로젝트</a:t>
+            </a:r>
+            <a:r>
+              <a:rPr lang="en-US" altLang="ko-KR" sz="1500" dirty="0" smtClean="0"/>
+              <a:t>, </a:t>
+            </a:r>
+            <a:r>
+              <a:rPr lang="ko-KR" altLang="en-US" sz="1500" dirty="0" smtClean="0"/>
+              <a:t>불순한 프로젝트</a:t>
+            </a:r>
+            <a:r>
+              <a:rPr lang="en-US" altLang="ko-KR" sz="1500" dirty="0" smtClean="0"/>
+              <a:t>, </a:t>
+            </a:r>
+            <a:r>
+              <a:rPr lang="ko-KR" altLang="en-US" sz="1500" dirty="0" smtClean="0"/>
+              <a:t>관리자 확인이 필요한 프로젝트</a:t>
+            </a:r>
+            <a:r>
+              <a:rPr lang="en-US" altLang="ko-KR" sz="1500" dirty="0" smtClean="0"/>
+              <a:t>)</a:t>
+            </a:r>
+          </a:p>
+          <a:p>
+            <a:pPr lvl="1">
+              <a:buFontTx/>
+              <a:buChar char="-"/>
+            </a:pPr>
+            <a:r>
+              <a:rPr lang="ko-KR" altLang="en-US" sz="1500" dirty="0" smtClean="0"/>
+              <a:t>제목</a:t>
+            </a:r>
+            <a:r>
+              <a:rPr lang="en-US" altLang="ko-KR" sz="1500" dirty="0" smtClean="0"/>
+              <a:t>, </a:t>
+            </a:r>
+            <a:r>
+              <a:rPr lang="ko-KR" altLang="en-US" sz="1500" dirty="0" smtClean="0"/>
+              <a:t>내용 입력</a:t>
+            </a:r>
+            <a:r>
+              <a:rPr lang="en-US" altLang="ko-KR" sz="1500" dirty="0" smtClean="0"/>
+              <a:t>, </a:t>
+            </a:r>
+            <a:r>
+              <a:rPr lang="ko-KR" altLang="en-US" sz="1500" dirty="0" err="1" smtClean="0"/>
+              <a:t>스크린샷</a:t>
+            </a:r>
+            <a:r>
+              <a:rPr lang="ko-KR" altLang="en-US" sz="1500" dirty="0" smtClean="0"/>
+              <a:t> 이미지 업로드</a:t>
+            </a:r>
+            <a:endParaRPr lang="en-US" altLang="ko-KR" sz="1500" dirty="0" smtClean="0"/>
+          </a:p>
+          <a:p>
+            <a:pPr>
+              <a:buFontTx/>
+              <a:buChar char="-"/>
+            </a:pPr>
+            <a:r>
+              <a:rPr lang="ko-KR" altLang="en-US" sz="1900" dirty="0"/>
+              <a:t>관심 프로젝트 등록</a:t>
+            </a:r>
+            <a:endParaRPr lang="en-US" altLang="ko-KR" sz="1900" dirty="0"/>
+          </a:p>
+          <a:p>
+            <a:pPr lvl="1">
+              <a:buFontTx/>
+              <a:buChar char="-"/>
+            </a:pPr>
+            <a:r>
+              <a:rPr lang="ko-KR" altLang="en-US" sz="1500" dirty="0"/>
+              <a:t>프로젝트 상세 내용 확인 페이지에서 관심 프로젝트 등록하기 버튼</a:t>
+            </a:r>
+            <a:endParaRPr lang="en-US" altLang="ko-KR" sz="1500" dirty="0"/>
+          </a:p>
+          <a:p>
+            <a:pPr lvl="1">
+              <a:buFontTx/>
+              <a:buChar char="-"/>
+            </a:pPr>
+            <a:r>
+              <a:rPr lang="ko-KR" altLang="en-US" sz="1500" dirty="0"/>
+              <a:t>관심 프로젝트로 등록한 프로젝트에 변동사항</a:t>
+            </a:r>
+            <a:r>
+              <a:rPr lang="en-US" altLang="ko-KR" sz="1500" dirty="0"/>
+              <a:t>(</a:t>
+            </a:r>
+            <a:r>
+              <a:rPr lang="ko-KR" altLang="en-US" sz="1500" dirty="0" err="1"/>
+              <a:t>펀딩</a:t>
+            </a:r>
+            <a:r>
+              <a:rPr lang="ko-KR" altLang="en-US" sz="1500" dirty="0"/>
+              <a:t> 기간 종료</a:t>
+            </a:r>
+            <a:r>
+              <a:rPr lang="en-US" altLang="ko-KR" sz="1500" dirty="0"/>
+              <a:t>, </a:t>
+            </a:r>
+            <a:r>
+              <a:rPr lang="ko-KR" altLang="en-US" sz="1500" dirty="0"/>
+              <a:t>보상 금액 및 보상 배송 시작 등</a:t>
+            </a:r>
+            <a:r>
+              <a:rPr lang="en-US" altLang="ko-KR" sz="1500" dirty="0"/>
+              <a:t>)</a:t>
+            </a:r>
+            <a:r>
+              <a:rPr lang="ko-KR" altLang="en-US" sz="1500" dirty="0"/>
+              <a:t>이 발생하는 경우 알림으로 확인 </a:t>
+            </a:r>
+            <a:r>
+              <a:rPr lang="ko-KR" altLang="en-US" sz="1500" dirty="0" smtClean="0"/>
+              <a:t>가능</a:t>
+            </a:r>
+            <a:endParaRPr lang="en-US" altLang="ko-KR" sz="1500" dirty="0" smtClean="0"/>
+          </a:p>
+          <a:p>
+            <a:pPr>
+              <a:buFontTx/>
+              <a:buChar char="-"/>
+            </a:pPr>
+            <a:r>
+              <a:rPr lang="ko-KR" altLang="en-US" sz="1900" dirty="0" smtClean="0"/>
+              <a:t>게시판</a:t>
+            </a:r>
+            <a:endParaRPr lang="en-US" altLang="ko-KR" sz="1900" dirty="0" smtClean="0"/>
+          </a:p>
+          <a:p>
+            <a:pPr lvl="1">
+              <a:buFontTx/>
+              <a:buChar char="-"/>
+            </a:pPr>
+            <a:r>
+              <a:rPr lang="ko-KR" altLang="en-US" sz="1500" dirty="0" smtClean="0"/>
+              <a:t>공지사항</a:t>
+            </a:r>
+            <a:endParaRPr lang="en-US" altLang="ko-KR" sz="1500" dirty="0" smtClean="0"/>
+          </a:p>
+          <a:p>
+            <a:pPr lvl="1">
+              <a:buFontTx/>
+              <a:buChar char="-"/>
+            </a:pPr>
+            <a:r>
+              <a:rPr lang="en-US" altLang="ko-KR" sz="1500" dirty="0" smtClean="0"/>
+              <a:t>FAQ</a:t>
+            </a:r>
+          </a:p>
+          <a:p>
+            <a:pPr lvl="1">
+              <a:buFontTx/>
+              <a:buChar char="-"/>
+            </a:pPr>
+            <a:r>
+              <a:rPr lang="ko-KR" altLang="en-US" sz="1500" dirty="0" smtClean="0"/>
+              <a:t>서비스 관련 </a:t>
+            </a:r>
+            <a:r>
+              <a:rPr lang="en-US" altLang="ko-KR" sz="1500" dirty="0" err="1" smtClean="0"/>
+              <a:t>QnA</a:t>
+            </a:r>
+            <a:endParaRPr lang="en-US" altLang="ko-KR" sz="1500" dirty="0"/>
+          </a:p>
+          <a:p>
+            <a:pPr lvl="1">
+              <a:buFontTx/>
+              <a:buChar char="-"/>
+            </a:pPr>
+            <a:endParaRPr lang="en-US" altLang="ko-KR" sz="1500" dirty="0" smtClean="0"/>
+          </a:p>
+        </p:txBody>
+      </p:sp>
+    </p:spTree>
+    <p:extLst>
+      <p:ext uri="{BB962C8B-B14F-4D97-AF65-F5344CB8AC3E}">
+        <p14:creationId xmlns:p14="http://schemas.microsoft.com/office/powerpoint/2010/main" val="1606547129"/>
+      </p:ext>
+    </p:extLst>
+  </p:cSld>
+  <p:clrMapOvr>
+    <a:masterClrMapping/>
+  </p:clrMapOvr>
+</p:sld>
+</file>
+
+<file path=ppt/slides/slide4.xml><?xml version="1.0" encoding="utf-8"?>
+<p:sld xmlns:a="http://schemas.openxmlformats.org/drawingml/2006/main" xmlns:r="http://schemas.openxmlformats.org/officeDocument/2006/relationships" xmlns:p="http://schemas.openxmlformats.org/presentationml/2006/main">
+  <p:cSld>
+    <p:spTree>
+      <p:nvGrpSpPr>
+        <p:cNvPr id="1" name=""/>
+        <p:cNvGrpSpPr/>
+        <p:nvPr/>
+      </p:nvGrpSpPr>
+      <p:grpSpPr>
+        <a:xfrm>
+          <a:off x="0" y="0"/>
+          <a:ext cx="0" cy="0"/>
+          <a:chOff x="0" y="0"/>
+          <a:chExt cx="0" cy="0"/>
+        </a:xfrm>
+      </p:grpSpPr>
+      <p:sp>
+        <p:nvSpPr>
+          <p:cNvPr id="4" name="TextBox 3"/>
+          <p:cNvSpPr txBox="1"/>
+          <p:nvPr/>
+        </p:nvSpPr>
+        <p:spPr>
+          <a:xfrm>
+            <a:off x="285720" y="357166"/>
+            <a:ext cx="877163" cy="369332"/>
+          </a:xfrm>
+          <a:prstGeom prst="rect">
+            <a:avLst/>
+          </a:prstGeom>
+          <a:noFill/>
+        </p:spPr>
+        <p:txBody>
+          <a:bodyPr wrap="none" rtlCol="0">
+            <a:spAutoFit/>
+          </a:bodyPr>
+          <a:lstStyle/>
+          <a:p>
+            <a:r>
+              <a:rPr lang="ko-KR" altLang="en-US" dirty="0" smtClean="0"/>
               <a:t>관리자</a:t>
             </a:r>
             <a:endParaRPr lang="en-US" altLang="ko-KR" dirty="0" smtClean="0"/>
+          </a:p>
+        </p:txBody>
+      </p:sp>
+      <p:sp>
+        <p:nvSpPr>
+          <p:cNvPr id="3" name="내용 개체 틀 2"/>
+          <p:cNvSpPr>
+            <a:spLocks noGrp="1"/>
+          </p:cNvSpPr>
+          <p:nvPr>
+            <p:ph idx="1"/>
+          </p:nvPr>
+        </p:nvSpPr>
+        <p:spPr>
+          <a:xfrm>
+            <a:off x="179512" y="760995"/>
+            <a:ext cx="8784976" cy="5980373"/>
+          </a:xfrm>
+        </p:spPr>
+        <p:txBody>
+          <a:bodyPr>
+            <a:normAutofit/>
+          </a:bodyPr>
+          <a:lstStyle/>
+          <a:p>
+            <a:pPr>
+              <a:buFontTx/>
+              <a:buChar char="-"/>
+            </a:pPr>
+            <a:r>
+              <a:rPr lang="ko-KR" altLang="en-US" sz="1900" dirty="0" smtClean="0"/>
+              <a:t>웹 사이트 통계</a:t>
+            </a:r>
+            <a:r>
+              <a:rPr lang="en-US" altLang="ko-KR" sz="1900" dirty="0" smtClean="0"/>
+              <a:t>(?)</a:t>
+            </a:r>
+          </a:p>
+          <a:p>
+            <a:pPr lvl="1">
+              <a:buFontTx/>
+              <a:buChar char="-"/>
+            </a:pPr>
+            <a:r>
+              <a:rPr lang="ko-KR" altLang="en-US" sz="1500" dirty="0" err="1" smtClean="0"/>
+              <a:t>접속자</a:t>
+            </a:r>
+            <a:r>
+              <a:rPr lang="ko-KR" altLang="en-US" sz="1500" dirty="0" smtClean="0"/>
+              <a:t> 현황</a:t>
+            </a:r>
+            <a:r>
+              <a:rPr lang="en-US" altLang="ko-KR" sz="1500" dirty="0" smtClean="0"/>
+              <a:t>, </a:t>
+            </a:r>
+            <a:r>
+              <a:rPr lang="ko-KR" altLang="en-US" sz="1500" dirty="0" smtClean="0"/>
+              <a:t>사용자 검색 키워드 정보</a:t>
+            </a:r>
+            <a:endParaRPr lang="en-US" altLang="ko-KR" sz="1500" dirty="0" smtClean="0"/>
+          </a:p>
+          <a:p>
+            <a:pPr>
+              <a:buFontTx/>
+              <a:buChar char="-"/>
+            </a:pPr>
+            <a:r>
+              <a:rPr lang="ko-KR" altLang="en-US" sz="1900" dirty="0" smtClean="0"/>
+              <a:t>메인 화면 관리</a:t>
+            </a:r>
+            <a:endParaRPr lang="en-US" altLang="ko-KR" sz="1900" dirty="0" smtClean="0"/>
+          </a:p>
+          <a:p>
+            <a:pPr lvl="1">
+              <a:buFontTx/>
+              <a:buChar char="-"/>
+            </a:pPr>
+            <a:r>
+              <a:rPr lang="ko-KR" altLang="en-US" sz="1500" dirty="0" smtClean="0"/>
+              <a:t>슬라이드 배너 등록 및 삭제</a:t>
+            </a:r>
+            <a:endParaRPr lang="en-US" altLang="ko-KR" sz="1500" dirty="0" smtClean="0"/>
+          </a:p>
+          <a:p>
+            <a:pPr lvl="1">
+              <a:buFontTx/>
+              <a:buChar char="-"/>
+            </a:pPr>
+            <a:r>
+              <a:rPr lang="ko-KR" altLang="en-US" sz="1500" dirty="0" smtClean="0"/>
+              <a:t>추천 프로젝트 등록 및 삭제</a:t>
+            </a:r>
+            <a:endParaRPr lang="en-US" altLang="ko-KR" sz="1500" dirty="0" smtClean="0"/>
+          </a:p>
+          <a:p>
+            <a:pPr>
+              <a:buFontTx/>
+              <a:buChar char="-"/>
+            </a:pPr>
+            <a:r>
+              <a:rPr lang="ko-KR" altLang="en-US" sz="1900" dirty="0" smtClean="0"/>
+              <a:t>회원 정보 관리</a:t>
+            </a:r>
+            <a:endParaRPr lang="en-US" altLang="ko-KR" sz="1900" dirty="0" smtClean="0"/>
+          </a:p>
+          <a:p>
+            <a:pPr>
+              <a:buFontTx/>
+              <a:buChar char="-"/>
+            </a:pPr>
+            <a:r>
+              <a:rPr lang="ko-KR" altLang="en-US" sz="1900" dirty="0" smtClean="0"/>
+              <a:t>프로젝트 관리</a:t>
+            </a:r>
+            <a:endParaRPr lang="en-US" altLang="ko-KR" sz="1900" dirty="0"/>
+          </a:p>
+          <a:p>
+            <a:pPr lvl="1">
+              <a:buFontTx/>
+              <a:buChar char="-"/>
+            </a:pPr>
+            <a:r>
+              <a:rPr lang="ko-KR" altLang="en-US" sz="1500" dirty="0" smtClean="0"/>
+              <a:t>등록된 프로젝트 관리</a:t>
+            </a:r>
+            <a:endParaRPr lang="en-US" altLang="ko-KR" sz="1500" dirty="0" smtClean="0"/>
+          </a:p>
+          <a:p>
+            <a:pPr lvl="1">
+              <a:buFontTx/>
+              <a:buChar char="-"/>
+            </a:pPr>
+            <a:r>
+              <a:rPr lang="ko-KR" altLang="en-US" sz="1500" dirty="0" smtClean="0"/>
+              <a:t>카테고리 관리</a:t>
+            </a:r>
+            <a:endParaRPr lang="en-US" altLang="ko-KR" sz="1500" dirty="0" smtClean="0"/>
+          </a:p>
+          <a:p>
+            <a:pPr lvl="1">
+              <a:buFontTx/>
+              <a:buChar char="-"/>
+            </a:pPr>
+            <a:r>
+              <a:rPr lang="ko-KR" altLang="en-US" sz="1500" dirty="0" smtClean="0"/>
+              <a:t>신고 프로젝트 관리 </a:t>
+            </a:r>
+            <a:r>
+              <a:rPr lang="en-US" altLang="ko-KR" sz="1500" dirty="0" smtClean="0"/>
+              <a:t>(</a:t>
+            </a:r>
+            <a:r>
+              <a:rPr lang="ko-KR" altLang="en-US" sz="1500" dirty="0" smtClean="0"/>
+              <a:t>프로젝트 정지</a:t>
+            </a:r>
+            <a:r>
+              <a:rPr lang="en-US" altLang="ko-KR" sz="1500" dirty="0" smtClean="0"/>
+              <a:t>, </a:t>
+            </a:r>
+            <a:r>
+              <a:rPr lang="ko-KR" altLang="en-US" sz="1500" dirty="0" smtClean="0"/>
+              <a:t>프로젝트 등록자 제제</a:t>
+            </a:r>
+            <a:r>
+              <a:rPr lang="en-US" altLang="ko-KR" sz="1500" dirty="0" smtClean="0"/>
+              <a:t>, </a:t>
+            </a:r>
+            <a:r>
+              <a:rPr lang="ko-KR" altLang="en-US" sz="1500" dirty="0" err="1" smtClean="0"/>
+              <a:t>반려처리</a:t>
+            </a:r>
+            <a:r>
+              <a:rPr lang="en-US" altLang="ko-KR" sz="1500" dirty="0" smtClean="0"/>
+              <a:t>)</a:t>
+            </a:r>
+          </a:p>
+          <a:p>
+            <a:pPr>
+              <a:buFontTx/>
+              <a:buChar char="-"/>
+            </a:pPr>
+            <a:r>
+              <a:rPr lang="ko-KR" altLang="en-US" sz="1900" dirty="0" err="1" smtClean="0"/>
+              <a:t>리워드</a:t>
+            </a:r>
+            <a:r>
+              <a:rPr lang="ko-KR" altLang="en-US" sz="1900" dirty="0" smtClean="0"/>
+              <a:t> 마켓 관리</a:t>
+            </a:r>
+            <a:endParaRPr lang="en-US" altLang="ko-KR" sz="1900" dirty="0" smtClean="0"/>
+          </a:p>
+          <a:p>
+            <a:pPr>
+              <a:buFontTx/>
+              <a:buChar char="-"/>
+            </a:pPr>
+            <a:r>
+              <a:rPr lang="ko-KR" altLang="en-US" sz="1900" dirty="0" smtClean="0"/>
+              <a:t>게시판 관리</a:t>
+            </a:r>
+            <a:endParaRPr lang="en-US" altLang="ko-KR" sz="1900" dirty="0" smtClean="0"/>
+          </a:p>
+          <a:p>
+            <a:pPr lvl="1">
+              <a:buFontTx/>
+              <a:buChar char="-"/>
+            </a:pPr>
+            <a:r>
+              <a:rPr lang="ko-KR" altLang="en-US" sz="1500" dirty="0" smtClean="0"/>
+              <a:t>공지사항 등록</a:t>
+            </a:r>
+            <a:r>
+              <a:rPr lang="en-US" altLang="ko-KR" sz="1500" dirty="0" smtClean="0"/>
+              <a:t>, </a:t>
+            </a:r>
+            <a:r>
+              <a:rPr lang="ko-KR" altLang="en-US" sz="1500" dirty="0" smtClean="0"/>
+              <a:t>수정 및 삭제</a:t>
+            </a:r>
+            <a:endParaRPr lang="en-US" altLang="ko-KR" sz="1500" dirty="0" smtClean="0"/>
+          </a:p>
+          <a:p>
+            <a:pPr lvl="1">
+              <a:buFontTx/>
+              <a:buChar char="-"/>
+            </a:pPr>
+            <a:r>
+              <a:rPr lang="en-US" altLang="ko-KR" sz="1500" dirty="0" smtClean="0"/>
+              <a:t>FAQ </a:t>
+            </a:r>
+            <a:r>
+              <a:rPr lang="ko-KR" altLang="en-US" sz="1500" dirty="0" smtClean="0"/>
+              <a:t>등록</a:t>
+            </a:r>
+            <a:r>
+              <a:rPr lang="en-US" altLang="ko-KR" sz="1500" dirty="0" smtClean="0"/>
+              <a:t>, </a:t>
+            </a:r>
+            <a:r>
+              <a:rPr lang="ko-KR" altLang="en-US" sz="1500" dirty="0" smtClean="0"/>
+              <a:t>수정 및 삭제</a:t>
+            </a:r>
+            <a:endParaRPr lang="en-US" altLang="ko-KR" sz="1500" dirty="0" smtClean="0"/>
+          </a:p>
+          <a:p>
+            <a:pPr lvl="1">
+              <a:buFontTx/>
+              <a:buChar char="-"/>
+            </a:pPr>
+            <a:r>
+              <a:rPr lang="en-US" altLang="ko-KR" sz="1500" dirty="0" err="1" smtClean="0"/>
+              <a:t>QnA</a:t>
+            </a:r>
+            <a:r>
+              <a:rPr lang="en-US" altLang="ko-KR" sz="1500" dirty="0" smtClean="0"/>
+              <a:t> </a:t>
+            </a:r>
+            <a:r>
+              <a:rPr lang="ko-KR" altLang="en-US" sz="1500" dirty="0" smtClean="0"/>
+              <a:t>답변 등록 및 삭제</a:t>
+            </a:r>
+            <a:endParaRPr lang="en-US" altLang="ko-KR" sz="1500" dirty="0" smtClean="0"/>
           </a:p>
         </p:txBody>
       </p:sp>
@@ -3234,7 +4992,7 @@
 </p:sld>
 </file>
 
-<file path=ppt/slides/slide4.xml><?xml version="1.0" encoding="utf-8"?>
+<file path=ppt/slides/slide5.xml><?xml version="1.0" encoding="utf-8"?>
 <p:sld xmlns:a="http://schemas.openxmlformats.org/drawingml/2006/main" xmlns:r="http://schemas.openxmlformats.org/officeDocument/2006/relationships" xmlns:p="http://schemas.openxmlformats.org/presentationml/2006/main">
   <p:cSld>
     <p:spTree>
